--- a/11kl_ZPD_Arturs_Konevnikovs.pptx
+++ b/11kl_ZPD_Arturs_Konevnikovs.pptx
@@ -121,7 +121,7 @@
   </p:defaultTextStyle>
   <p:extLst>
     <p:ext uri="{EFAFB233-063F-42B5-8137-9DF3F51BA10A}">
-      <p15:sldGuideLst xmlns="" xmlns:p15="http://schemas.microsoft.com/office/powerpoint/2012/main">
+      <p15:sldGuideLst xmlns:p15="http://schemas.microsoft.com/office/powerpoint/2012/main" xmlns="">
         <p15:guide id="1" orient="horz" pos="2160">
           <p15:clr>
             <a:srgbClr val="A4A3A4"/>
@@ -220,7 +220,7 @@
           <a:p>
             <a:fld id="{D0FA7AE7-020B-465F-95ED-A42D64C22D13}" type="datetimeFigureOut">
               <a:rPr lang="lv-LV" smtClean="0"/>
-              <a:t>2017.12.04.</a:t>
+              <a:t>2017.12.05.</a:t>
             </a:fld>
             <a:endParaRPr lang="lv-LV" dirty="0"/>
           </a:p>
@@ -669,7 +669,7 @@
           <a:p>
             <a:fld id="{46173999-5FD6-441D-96F8-62B07256089B}" type="datetime1">
               <a:rPr lang="lv-LV" smtClean="0"/>
-              <a:t>2017.12.04.</a:t>
+              <a:t>2017.12.05.</a:t>
             </a:fld>
             <a:endParaRPr lang="lv-LV" dirty="0"/>
           </a:p>
@@ -856,7 +856,7 @@
           <a:p>
             <a:fld id="{BE7BDB23-3590-420C-B033-0A26179FCBE4}" type="datetime1">
               <a:rPr lang="lv-LV" smtClean="0"/>
-              <a:t>2017.12.04.</a:t>
+              <a:t>2017.12.05.</a:t>
             </a:fld>
             <a:endParaRPr lang="lv-LV" dirty="0"/>
           </a:p>
@@ -1039,7 +1039,7 @@
           <a:p>
             <a:fld id="{E70B183C-522F-4178-A839-67FB74FB0290}" type="datetime1">
               <a:rPr lang="lv-LV" smtClean="0"/>
-              <a:t>2017.12.04.</a:t>
+              <a:t>2017.12.05.</a:t>
             </a:fld>
             <a:endParaRPr lang="lv-LV" dirty="0"/>
           </a:p>
@@ -1212,7 +1212,7 @@
           <a:p>
             <a:fld id="{EDD119E2-A3D6-4BB7-86AB-F354A1A106D8}" type="datetime1">
               <a:rPr lang="lv-LV" smtClean="0"/>
-              <a:t>2017.12.04.</a:t>
+              <a:t>2017.12.05.</a:t>
             </a:fld>
             <a:endParaRPr lang="lv-LV" dirty="0"/>
           </a:p>
@@ -1461,7 +1461,7 @@
           <a:p>
             <a:fld id="{83C644EB-AB32-44DD-9634-98FB3B8529EA}" type="datetime1">
               <a:rPr lang="lv-LV" smtClean="0"/>
-              <a:t>2017.12.04.</a:t>
+              <a:t>2017.12.05.</a:t>
             </a:fld>
             <a:endParaRPr lang="lv-LV" dirty="0"/>
           </a:p>
@@ -1752,7 +1752,7 @@
           <a:p>
             <a:fld id="{A2AEEF25-DA29-4892-93A6-1B7EF24EDF20}" type="datetime1">
               <a:rPr lang="lv-LV" smtClean="0"/>
-              <a:t>2017.12.04.</a:t>
+              <a:t>2017.12.05.</a:t>
             </a:fld>
             <a:endParaRPr lang="lv-LV" dirty="0"/>
           </a:p>
@@ -2177,7 +2177,7 @@
           <a:p>
             <a:fld id="{3A71DEC4-74E9-4BE2-8D7E-E10EBB19D817}" type="datetime1">
               <a:rPr lang="lv-LV" smtClean="0"/>
-              <a:t>2017.12.04.</a:t>
+              <a:t>2017.12.05.</a:t>
             </a:fld>
             <a:endParaRPr lang="lv-LV" dirty="0"/>
           </a:p>
@@ -2298,7 +2298,7 @@
           <a:p>
             <a:fld id="{3FE9A4C0-5E44-4967-8F89-A889BA148442}" type="datetime1">
               <a:rPr lang="lv-LV" smtClean="0"/>
-              <a:t>2017.12.04.</a:t>
+              <a:t>2017.12.05.</a:t>
             </a:fld>
             <a:endParaRPr lang="lv-LV" dirty="0"/>
           </a:p>
@@ -2396,7 +2396,7 @@
           <a:p>
             <a:fld id="{C51527F2-E830-491F-8CF3-791F830FBAB7}" type="datetime1">
               <a:rPr lang="lv-LV" smtClean="0"/>
-              <a:t>2017.12.04.</a:t>
+              <a:t>2017.12.05.</a:t>
             </a:fld>
             <a:endParaRPr lang="lv-LV" dirty="0"/>
           </a:p>
@@ -2676,7 +2676,7 @@
           <a:p>
             <a:fld id="{730E96C2-F6C0-456C-963D-2CF6F74E8DF3}" type="datetime1">
               <a:rPr lang="lv-LV" smtClean="0"/>
-              <a:t>2017.12.04.</a:t>
+              <a:t>2017.12.05.</a:t>
             </a:fld>
             <a:endParaRPr lang="lv-LV" dirty="0"/>
           </a:p>
@@ -2932,7 +2932,7 @@
           <a:p>
             <a:fld id="{DDC3B542-8653-44C6-9BE5-5ED6F9B3B3D4}" type="datetime1">
               <a:rPr lang="lv-LV" smtClean="0"/>
-              <a:t>2017.12.04.</a:t>
+              <a:t>2017.12.05.</a:t>
             </a:fld>
             <a:endParaRPr lang="lv-LV" dirty="0"/>
           </a:p>
@@ -3189,7 +3189,7 @@
           <a:p>
             <a:fld id="{5E184410-0345-4DE4-A170-A8CC8F5E394B}" type="datetime1">
               <a:rPr lang="lv-LV" smtClean="0"/>
-              <a:t>2017.12.04.</a:t>
+              <a:t>2017.12.05.</a:t>
             </a:fld>
             <a:endParaRPr lang="lv-LV" dirty="0"/>
           </a:p>
@@ -3924,11 +3924,7 @@
             </a:r>
             <a:r>
               <a:rPr lang="lv-LV" dirty="0" smtClean="0"/>
-              <a:t>likumsakarības</a:t>
-            </a:r>
-            <a:r>
-              <a:rPr lang="lv-LV" dirty="0" smtClean="0"/>
-              <a:t>.</a:t>
+              <a:t>likumsakarības.</a:t>
             </a:r>
             <a:endParaRPr lang="en-US" dirty="0" smtClean="0"/>
           </a:p>
@@ -3984,6 +3980,60 @@
           </a:p>
         </p:txBody>
       </p:sp>
+      <p:pic>
+        <p:nvPicPr>
+          <p:cNvPr id="6147" name="Picture 3"/>
+          <p:cNvPicPr>
+            <a:picLocks noChangeAspect="1" noChangeArrowheads="1"/>
+          </p:cNvPicPr>
+          <p:nvPr/>
+        </p:nvPicPr>
+        <p:blipFill>
+          <a:blip r:embed="rId2">
+            <a:extLst>
+              <a:ext uri="{28A0092B-C50C-407E-A947-70E740481C1C}">
+                <a14:useLocalDpi xmlns:a14="http://schemas.microsoft.com/office/drawing/2010/main" val="0"/>
+              </a:ext>
+            </a:extLst>
+          </a:blip>
+          <a:srcRect/>
+          <a:stretch>
+            <a:fillRect/>
+          </a:stretch>
+        </p:blipFill>
+        <p:spPr bwMode="auto">
+          <a:xfrm>
+            <a:off x="3563888" y="3789040"/>
+            <a:ext cx="3810000" cy="2562225"/>
+          </a:xfrm>
+          <a:prstGeom prst="rect">
+            <a:avLst/>
+          </a:prstGeom>
+          <a:noFill/>
+          <a:ln>
+            <a:noFill/>
+          </a:ln>
+          <a:extLst>
+            <a:ext uri="{909E8E84-426E-40DD-AFC4-6F175D3DCCD1}">
+              <a14:hiddenFill xmlns:a14="http://schemas.microsoft.com/office/drawing/2010/main">
+                <a:solidFill>
+                  <a:schemeClr val="accent1"/>
+                </a:solidFill>
+              </a14:hiddenFill>
+            </a:ext>
+            <a:ext uri="{91240B29-F687-4F45-9708-019B960494DF}">
+              <a14:hiddenLine xmlns:a14="http://schemas.microsoft.com/office/drawing/2010/main" w="9525">
+                <a:solidFill>
+                  <a:schemeClr val="tx1"/>
+                </a:solidFill>
+                <a:miter lim="800000"/>
+                <a:headEnd/>
+                <a:tailEnd/>
+              </a14:hiddenLine>
+            </a:ext>
+          </a:extLst>
+        </p:spPr>
+      </p:pic>
     </p:spTree>
     <p:extLst>
       <p:ext uri="{BB962C8B-B14F-4D97-AF65-F5344CB8AC3E}">
@@ -4360,8 +4410,8 @@
         </p:nvSpPr>
         <p:spPr>
           <a:xfrm>
-            <a:off x="7380312" y="-39613"/>
-            <a:ext cx="1296144" cy="369332"/>
+            <a:off x="7164288" y="-39613"/>
+            <a:ext cx="1512168" cy="369332"/>
           </a:xfrm>
           <a:prstGeom prst="rect">
             <a:avLst/>
@@ -4375,7 +4425,15 @@
           <a:p>
             <a:r>
               <a:rPr lang="en-US" dirty="0"/>
-              <a:t>(2-100 000)</a:t>
+              <a:t>(</a:t>
+            </a:r>
+            <a:r>
+              <a:rPr lang="en-US" dirty="0" smtClean="0"/>
+              <a:t>2-&gt;100 </a:t>
+            </a:r>
+            <a:r>
+              <a:rPr lang="en-US" dirty="0"/>
+              <a:t>000)</a:t>
             </a:r>
           </a:p>
         </p:txBody>
@@ -4471,6 +4529,60 @@
           </a:p>
         </p:txBody>
       </p:sp>
+      <p:pic>
+        <p:nvPicPr>
+          <p:cNvPr id="7170" name="Picture 2"/>
+          <p:cNvPicPr>
+            <a:picLocks noChangeAspect="1" noChangeArrowheads="1"/>
+          </p:cNvPicPr>
+          <p:nvPr/>
+        </p:nvPicPr>
+        <p:blipFill>
+          <a:blip r:embed="rId2">
+            <a:extLst>
+              <a:ext uri="{28A0092B-C50C-407E-A947-70E740481C1C}">
+                <a14:useLocalDpi xmlns:a14="http://schemas.microsoft.com/office/drawing/2010/main" val="0"/>
+              </a:ext>
+            </a:extLst>
+          </a:blip>
+          <a:srcRect/>
+          <a:stretch>
+            <a:fillRect/>
+          </a:stretch>
+        </p:blipFill>
+        <p:spPr bwMode="auto">
+          <a:xfrm>
+            <a:off x="2959830" y="3400219"/>
+            <a:ext cx="3295650" cy="3295650"/>
+          </a:xfrm>
+          <a:prstGeom prst="rect">
+            <a:avLst/>
+          </a:prstGeom>
+          <a:noFill/>
+          <a:ln>
+            <a:noFill/>
+          </a:ln>
+          <a:extLst>
+            <a:ext uri="{909E8E84-426E-40DD-AFC4-6F175D3DCCD1}">
+              <a14:hiddenFill xmlns:a14="http://schemas.microsoft.com/office/drawing/2010/main">
+                <a:solidFill>
+                  <a:schemeClr val="accent1"/>
+                </a:solidFill>
+              </a14:hiddenFill>
+            </a:ext>
+            <a:ext uri="{91240B29-F687-4F45-9708-019B960494DF}">
+              <a14:hiddenLine xmlns:a14="http://schemas.microsoft.com/office/drawing/2010/main" w="9525">
+                <a:solidFill>
+                  <a:schemeClr val="tx1"/>
+                </a:solidFill>
+                <a:miter lim="800000"/>
+                <a:headEnd/>
+                <a:tailEnd/>
+              </a14:hiddenLine>
+            </a:ext>
+          </a:extLst>
+        </p:spPr>
+      </p:pic>
     </p:spTree>
     <p:extLst>
       <p:ext uri="{BB962C8B-B14F-4D97-AF65-F5344CB8AC3E}">
@@ -4612,6 +4724,114 @@
           </a:p>
         </p:txBody>
       </p:sp>
+      <p:pic>
+        <p:nvPicPr>
+          <p:cNvPr id="1026" name="Picture 2"/>
+          <p:cNvPicPr>
+            <a:picLocks noChangeAspect="1" noChangeArrowheads="1"/>
+          </p:cNvPicPr>
+          <p:nvPr/>
+        </p:nvPicPr>
+        <p:blipFill>
+          <a:blip r:embed="rId2">
+            <a:extLst>
+              <a:ext uri="{28A0092B-C50C-407E-A947-70E740481C1C}">
+                <a14:useLocalDpi xmlns:a14="http://schemas.microsoft.com/office/drawing/2010/main" val="0"/>
+              </a:ext>
+            </a:extLst>
+          </a:blip>
+          <a:srcRect/>
+          <a:stretch>
+            <a:fillRect/>
+          </a:stretch>
+        </p:blipFill>
+        <p:spPr bwMode="auto">
+          <a:xfrm>
+            <a:off x="107504" y="4005064"/>
+            <a:ext cx="4562875" cy="2372695"/>
+          </a:xfrm>
+          <a:prstGeom prst="rect">
+            <a:avLst/>
+          </a:prstGeom>
+          <a:noFill/>
+          <a:ln>
+            <a:noFill/>
+          </a:ln>
+          <a:extLst>
+            <a:ext uri="{909E8E84-426E-40DD-AFC4-6F175D3DCCD1}">
+              <a14:hiddenFill xmlns:a14="http://schemas.microsoft.com/office/drawing/2010/main">
+                <a:solidFill>
+                  <a:schemeClr val="accent1"/>
+                </a:solidFill>
+              </a14:hiddenFill>
+            </a:ext>
+            <a:ext uri="{91240B29-F687-4F45-9708-019B960494DF}">
+              <a14:hiddenLine xmlns:a14="http://schemas.microsoft.com/office/drawing/2010/main" w="9525">
+                <a:solidFill>
+                  <a:schemeClr val="tx1"/>
+                </a:solidFill>
+                <a:miter lim="800000"/>
+                <a:headEnd/>
+                <a:tailEnd/>
+              </a14:hiddenLine>
+            </a:ext>
+          </a:extLst>
+        </p:spPr>
+      </p:pic>
+      <p:pic>
+        <p:nvPicPr>
+          <p:cNvPr id="1027" name="Picture 3"/>
+          <p:cNvPicPr>
+            <a:picLocks noChangeAspect="1" noChangeArrowheads="1"/>
+          </p:cNvPicPr>
+          <p:nvPr/>
+        </p:nvPicPr>
+        <p:blipFill>
+          <a:blip r:embed="rId3" cstate="print">
+            <a:extLst>
+              <a:ext uri="{28A0092B-C50C-407E-A947-70E740481C1C}">
+                <a14:useLocalDpi xmlns:a14="http://schemas.microsoft.com/office/drawing/2010/main" val="0"/>
+              </a:ext>
+            </a:extLst>
+          </a:blip>
+          <a:srcRect/>
+          <a:stretch>
+            <a:fillRect/>
+          </a:stretch>
+        </p:blipFill>
+        <p:spPr bwMode="auto">
+          <a:xfrm>
+            <a:off x="4932040" y="3976420"/>
+            <a:ext cx="3384376" cy="2429982"/>
+          </a:xfrm>
+          <a:prstGeom prst="rect">
+            <a:avLst/>
+          </a:prstGeom>
+          <a:noFill/>
+          <a:ln>
+            <a:noFill/>
+          </a:ln>
+          <a:extLst>
+            <a:ext uri="{909E8E84-426E-40DD-AFC4-6F175D3DCCD1}">
+              <a14:hiddenFill xmlns:a14="http://schemas.microsoft.com/office/drawing/2010/main">
+                <a:solidFill>
+                  <a:schemeClr val="accent1"/>
+                </a:solidFill>
+              </a14:hiddenFill>
+            </a:ext>
+            <a:ext uri="{91240B29-F687-4F45-9708-019B960494DF}">
+              <a14:hiddenLine xmlns:a14="http://schemas.microsoft.com/office/drawing/2010/main" w="9525">
+                <a:solidFill>
+                  <a:schemeClr val="tx1"/>
+                </a:solidFill>
+                <a:miter lim="800000"/>
+                <a:headEnd/>
+                <a:tailEnd/>
+              </a14:hiddenLine>
+            </a:ext>
+          </a:extLst>
+        </p:spPr>
+      </p:pic>
     </p:spTree>
     <p:extLst>
       <p:ext uri="{BB962C8B-B14F-4D97-AF65-F5344CB8AC3E}">
@@ -4807,6 +5027,60 @@
           </a:p>
         </p:txBody>
       </p:sp>
+      <p:pic>
+        <p:nvPicPr>
+          <p:cNvPr id="2050" name="Picture 2"/>
+          <p:cNvPicPr>
+            <a:picLocks noChangeAspect="1" noChangeArrowheads="1"/>
+          </p:cNvPicPr>
+          <p:nvPr/>
+        </p:nvPicPr>
+        <p:blipFill>
+          <a:blip r:embed="rId2">
+            <a:extLst>
+              <a:ext uri="{28A0092B-C50C-407E-A947-70E740481C1C}">
+                <a14:useLocalDpi xmlns:a14="http://schemas.microsoft.com/office/drawing/2010/main" val="0"/>
+              </a:ext>
+            </a:extLst>
+          </a:blip>
+          <a:srcRect/>
+          <a:stretch>
+            <a:fillRect/>
+          </a:stretch>
+        </p:blipFill>
+        <p:spPr bwMode="auto">
+          <a:xfrm>
+            <a:off x="2176236" y="3573016"/>
+            <a:ext cx="4762500" cy="3057525"/>
+          </a:xfrm>
+          <a:prstGeom prst="rect">
+            <a:avLst/>
+          </a:prstGeom>
+          <a:noFill/>
+          <a:ln>
+            <a:noFill/>
+          </a:ln>
+          <a:extLst>
+            <a:ext uri="{909E8E84-426E-40DD-AFC4-6F175D3DCCD1}">
+              <a14:hiddenFill xmlns:a14="http://schemas.microsoft.com/office/drawing/2010/main">
+                <a:solidFill>
+                  <a:schemeClr val="accent1"/>
+                </a:solidFill>
+              </a14:hiddenFill>
+            </a:ext>
+            <a:ext uri="{91240B29-F687-4F45-9708-019B960494DF}">
+              <a14:hiddenLine xmlns:a14="http://schemas.microsoft.com/office/drawing/2010/main" w="9525">
+                <a:solidFill>
+                  <a:schemeClr val="tx1"/>
+                </a:solidFill>
+                <a:miter lim="800000"/>
+                <a:headEnd/>
+                <a:tailEnd/>
+              </a14:hiddenLine>
+            </a:ext>
+          </a:extLst>
+        </p:spPr>
+      </p:pic>
     </p:spTree>
     <p:extLst>
       <p:ext uri="{BB962C8B-B14F-4D97-AF65-F5344CB8AC3E}">
@@ -4859,14 +5133,16 @@
         </p:nvSpPr>
         <p:spPr/>
         <p:txBody>
-          <a:bodyPr/>
-          <a:lstStyle/>
-          <a:p>
-            <a:r>
-              <a:rPr lang="lv-LV" dirty="0" smtClean="0"/>
+          <a:bodyPr>
+            <a:normAutofit/>
+          </a:bodyPr>
+          <a:lstStyle/>
+          <a:p>
+            <a:r>
+              <a:rPr lang="lv-LV" sz="6600" b="1" dirty="0" smtClean="0"/>
               <a:t>Darba mērķis</a:t>
             </a:r>
-            <a:endParaRPr lang="lv-LV" dirty="0"/>
+            <a:endParaRPr lang="lv-LV" sz="6600" b="1" dirty="0"/>
           </a:p>
         </p:txBody>
       </p:sp>
@@ -4905,45 +5181,101 @@
         </p:nvSpPr>
         <p:spPr/>
         <p:txBody>
-          <a:bodyPr/>
-          <a:lstStyle/>
-          <a:p>
-            <a:r>
-              <a:rPr lang="lv-LV" dirty="0"/>
+          <a:bodyPr>
+            <a:normAutofit/>
+          </a:bodyPr>
+          <a:lstStyle/>
+          <a:p>
+            <a:r>
+              <a:rPr lang="lv-LV" sz="4000" b="1" dirty="0"/>
               <a:t>Uzzināt, vai ir </a:t>
             </a:r>
             <a:r>
-              <a:rPr lang="lv-LV" dirty="0" smtClean="0"/>
+              <a:rPr lang="lv-LV" sz="4000" b="1" dirty="0" smtClean="0"/>
               <a:t>likumsakarība</a:t>
             </a:r>
             <a:r>
-              <a:rPr lang="ru-RU" dirty="0" smtClean="0"/>
-              <a:t>                                 </a:t>
-            </a:r>
-            <a:r>
-              <a:rPr lang="lv-LV" dirty="0"/>
+              <a:rPr lang="ru-RU" sz="4000" b="1" dirty="0" smtClean="0"/>
+              <a:t>                </a:t>
+            </a:r>
+            <a:r>
+              <a:rPr lang="lv-LV" sz="4000" b="1" dirty="0"/>
               <a:t> </a:t>
             </a:r>
             <a:r>
-              <a:rPr lang="lv-LV" dirty="0" smtClean="0"/>
+              <a:rPr lang="lv-LV" sz="4000" b="1" dirty="0" smtClean="0"/>
               <a:t>starp</a:t>
             </a:r>
             <a:r>
-              <a:rPr lang="ru-RU" dirty="0" smtClean="0"/>
+              <a:rPr lang="ru-RU" sz="4000" b="1" dirty="0" smtClean="0"/>
               <a:t> </a:t>
             </a:r>
             <a:r>
-              <a:rPr lang="lv-LV" dirty="0" smtClean="0"/>
+              <a:rPr lang="lv-LV" sz="4000" b="1" dirty="0" smtClean="0"/>
               <a:t>pirmskaitļiem</a:t>
             </a:r>
             <a:r>
-              <a:rPr lang="ru-RU" dirty="0"/>
+              <a:rPr lang="ru-RU" sz="4000" b="1" dirty="0"/>
               <a:t>.</a:t>
             </a:r>
-            <a:endParaRPr lang="lv-LV" dirty="0"/>
-          </a:p>
-        </p:txBody>
-      </p:sp>
+            <a:endParaRPr lang="lv-LV" sz="4000" b="1" dirty="0"/>
+          </a:p>
+        </p:txBody>
+      </p:sp>
+      <p:pic>
+        <p:nvPicPr>
+          <p:cNvPr id="3074" name="Picture 2"/>
+          <p:cNvPicPr>
+            <a:picLocks noChangeAspect="1" noChangeArrowheads="1"/>
+          </p:cNvPicPr>
+          <p:nvPr/>
+        </p:nvPicPr>
+        <p:blipFill>
+          <a:blip r:embed="rId2">
+            <a:extLst>
+              <a:ext uri="{28A0092B-C50C-407E-A947-70E740481C1C}">
+                <a14:useLocalDpi xmlns:a14="http://schemas.microsoft.com/office/drawing/2010/main" val="0"/>
+              </a:ext>
+            </a:extLst>
+          </a:blip>
+          <a:srcRect/>
+          <a:stretch>
+            <a:fillRect/>
+          </a:stretch>
+        </p:blipFill>
+        <p:spPr bwMode="auto">
+          <a:xfrm>
+            <a:off x="1763688" y="3140968"/>
+            <a:ext cx="4876800" cy="3548063"/>
+          </a:xfrm>
+          <a:prstGeom prst="rect">
+            <a:avLst/>
+          </a:prstGeom>
+          <a:noFill/>
+          <a:ln>
+            <a:noFill/>
+          </a:ln>
+          <a:extLst>
+            <a:ext uri="{909E8E84-426E-40DD-AFC4-6F175D3DCCD1}">
+              <a14:hiddenFill xmlns:a14="http://schemas.microsoft.com/office/drawing/2010/main">
+                <a:solidFill>
+                  <a:schemeClr val="accent1"/>
+                </a:solidFill>
+              </a14:hiddenFill>
+            </a:ext>
+            <a:ext uri="{91240B29-F687-4F45-9708-019B960494DF}">
+              <a14:hiddenLine xmlns:a14="http://schemas.microsoft.com/office/drawing/2010/main" w="9525">
+                <a:solidFill>
+                  <a:schemeClr val="tx1"/>
+                </a:solidFill>
+                <a:miter lim="800000"/>
+                <a:headEnd/>
+                <a:tailEnd/>
+              </a14:hiddenLine>
+            </a:ext>
+          </a:extLst>
+        </p:spPr>
+      </p:pic>
     </p:spTree>
     <p:extLst>
       <p:ext uri="{BB962C8B-B14F-4D97-AF65-F5344CB8AC3E}">
@@ -5127,6 +5459,60 @@
           </a:p>
         </p:txBody>
       </p:sp>
+      <p:pic>
+        <p:nvPicPr>
+          <p:cNvPr id="5122" name="Picture 2"/>
+          <p:cNvPicPr>
+            <a:picLocks noChangeAspect="1" noChangeArrowheads="1"/>
+          </p:cNvPicPr>
+          <p:nvPr/>
+        </p:nvPicPr>
+        <p:blipFill>
+          <a:blip r:embed="rId2">
+            <a:extLst>
+              <a:ext uri="{28A0092B-C50C-407E-A947-70E740481C1C}">
+                <a14:useLocalDpi xmlns:a14="http://schemas.microsoft.com/office/drawing/2010/main" val="0"/>
+              </a:ext>
+            </a:extLst>
+          </a:blip>
+          <a:srcRect/>
+          <a:stretch>
+            <a:fillRect/>
+          </a:stretch>
+        </p:blipFill>
+        <p:spPr bwMode="auto">
+          <a:xfrm flipH="1">
+            <a:off x="4788024" y="3837767"/>
+            <a:ext cx="3663012" cy="2622430"/>
+          </a:xfrm>
+          <a:prstGeom prst="rect">
+            <a:avLst/>
+          </a:prstGeom>
+          <a:noFill/>
+          <a:ln>
+            <a:noFill/>
+          </a:ln>
+          <a:extLst>
+            <a:ext uri="{909E8E84-426E-40DD-AFC4-6F175D3DCCD1}">
+              <a14:hiddenFill xmlns:a14="http://schemas.microsoft.com/office/drawing/2010/main">
+                <a:solidFill>
+                  <a:schemeClr val="accent1"/>
+                </a:solidFill>
+              </a14:hiddenFill>
+            </a:ext>
+            <a:ext uri="{91240B29-F687-4F45-9708-019B960494DF}">
+              <a14:hiddenLine xmlns:a14="http://schemas.microsoft.com/office/drawing/2010/main" w="9525">
+                <a:solidFill>
+                  <a:schemeClr val="tx1"/>
+                </a:solidFill>
+                <a:miter lim="800000"/>
+                <a:headEnd/>
+                <a:tailEnd/>
+              </a14:hiddenLine>
+            </a:ext>
+          </a:extLst>
+        </p:spPr>
+      </p:pic>
     </p:spTree>
     <p:extLst>
       <p:ext uri="{BB962C8B-B14F-4D97-AF65-F5344CB8AC3E}">
@@ -5275,6 +5661,60 @@
           </a:p>
         </p:txBody>
       </p:sp>
+      <p:pic>
+        <p:nvPicPr>
+          <p:cNvPr id="4098" name="Picture 2"/>
+          <p:cNvPicPr>
+            <a:picLocks noChangeAspect="1" noChangeArrowheads="1"/>
+          </p:cNvPicPr>
+          <p:nvPr/>
+        </p:nvPicPr>
+        <p:blipFill>
+          <a:blip r:embed="rId2">
+            <a:extLst>
+              <a:ext uri="{28A0092B-C50C-407E-A947-70E740481C1C}">
+                <a14:useLocalDpi xmlns:a14="http://schemas.microsoft.com/office/drawing/2010/main" val="0"/>
+              </a:ext>
+            </a:extLst>
+          </a:blip>
+          <a:srcRect/>
+          <a:stretch>
+            <a:fillRect/>
+          </a:stretch>
+        </p:blipFill>
+        <p:spPr bwMode="auto">
+          <a:xfrm>
+            <a:off x="1259632" y="3645024"/>
+            <a:ext cx="5961956" cy="2980978"/>
+          </a:xfrm>
+          <a:prstGeom prst="rect">
+            <a:avLst/>
+          </a:prstGeom>
+          <a:noFill/>
+          <a:ln>
+            <a:noFill/>
+          </a:ln>
+          <a:extLst>
+            <a:ext uri="{909E8E84-426E-40DD-AFC4-6F175D3DCCD1}">
+              <a14:hiddenFill xmlns:a14="http://schemas.microsoft.com/office/drawing/2010/main">
+                <a:solidFill>
+                  <a:schemeClr val="accent1"/>
+                </a:solidFill>
+              </a14:hiddenFill>
+            </a:ext>
+            <a:ext uri="{91240B29-F687-4F45-9708-019B960494DF}">
+              <a14:hiddenLine xmlns:a14="http://schemas.microsoft.com/office/drawing/2010/main" w="9525">
+                <a:solidFill>
+                  <a:schemeClr val="tx1"/>
+                </a:solidFill>
+                <a:miter lim="800000"/>
+                <a:headEnd/>
+                <a:tailEnd/>
+              </a14:hiddenLine>
+            </a:ext>
+          </a:extLst>
+        </p:spPr>
+      </p:pic>
     </p:spTree>
     <p:extLst>
       <p:ext uri="{BB962C8B-B14F-4D97-AF65-F5344CB8AC3E}">
